--- a/C108112102_何佳曄_期中報告.pptx
+++ b/C108112102_何佳曄_期中報告.pptx
@@ -109,6 +109,11 @@
       </a:defRPr>
     </a:lvl9pPr>
   </p:defaultTextStyle>
+  <p:extLst>
+    <p:ext uri="{EFAFB233-063F-42B5-8137-9DF3F51BA10A}">
+      <p15:sldGuideLst xmlns:p15="http://schemas.microsoft.com/office/powerpoint/2012/main"/>
+    </p:ext>
+  </p:extLst>
 </p:presentation>
 </file>
 
@@ -9313,10 +9318,13 @@
               </a:rPr>
               <a:t>筆記型電腦</a:t>
             </a:r>
-            <a:endParaRPr lang="en-US" altLang="zh-TW" sz="2400" dirty="0">
-              <a:latin typeface="Times New Roman" panose="02020603050405020304" pitchFamily="18" charset="0"/>
-              <a:ea typeface="標楷體" panose="03000509000000000000" pitchFamily="65" charset="-120"/>
-            </a:endParaRPr>
+            <a:r>
+              <a:rPr lang="en-US" altLang="zh-TW" sz="2400" dirty="0">
+                <a:latin typeface="Times New Roman" panose="02020603050405020304" pitchFamily="18" charset="0"/>
+                <a:ea typeface="標楷體" panose="03000509000000000000" pitchFamily="65" charset="-120"/>
+              </a:rPr>
+              <a:t>(i5-6300)</a:t>
+            </a:r>
           </a:p>
           <a:p>
             <a:r>
